--- a/pics/2020-09-08-matrix_multiplication/pics.pptx
+++ b/pics/2020-09-08-matrix_multiplication/pics.pptx
@@ -288,7 +288,7 @@
           <a:p>
             <a:fld id="{FB30EDBD-1C2D-4C1E-B459-B60219FAB484}" type="datetimeFigureOut">
               <a:rPr lang="ko-KR" altLang="en-US" smtClean="0"/>
-              <a:t>2020-09-10</a:t>
+              <a:t>2020-09-11</a:t>
             </a:fld>
             <a:endParaRPr lang="ko-KR" altLang="en-US"/>
           </a:p>
@@ -453,7 +453,7 @@
           <a:p>
             <a:fld id="{FB30EDBD-1C2D-4C1E-B459-B60219FAB484}" type="datetimeFigureOut">
               <a:rPr lang="ko-KR" altLang="en-US" smtClean="0"/>
-              <a:t>2020-09-10</a:t>
+              <a:t>2020-09-11</a:t>
             </a:fld>
             <a:endParaRPr lang="ko-KR" altLang="en-US"/>
           </a:p>
@@ -628,7 +628,7 @@
           <a:p>
             <a:fld id="{FB30EDBD-1C2D-4C1E-B459-B60219FAB484}" type="datetimeFigureOut">
               <a:rPr lang="ko-KR" altLang="en-US" smtClean="0"/>
-              <a:t>2020-09-10</a:t>
+              <a:t>2020-09-11</a:t>
             </a:fld>
             <a:endParaRPr lang="ko-KR" altLang="en-US"/>
           </a:p>
@@ -793,7 +793,7 @@
           <a:p>
             <a:fld id="{FB30EDBD-1C2D-4C1E-B459-B60219FAB484}" type="datetimeFigureOut">
               <a:rPr lang="ko-KR" altLang="en-US" smtClean="0"/>
-              <a:t>2020-09-10</a:t>
+              <a:t>2020-09-11</a:t>
             </a:fld>
             <a:endParaRPr lang="ko-KR" altLang="en-US"/>
           </a:p>
@@ -1034,7 +1034,7 @@
           <a:p>
             <a:fld id="{FB30EDBD-1C2D-4C1E-B459-B60219FAB484}" type="datetimeFigureOut">
               <a:rPr lang="ko-KR" altLang="en-US" smtClean="0"/>
-              <a:t>2020-09-10</a:t>
+              <a:t>2020-09-11</a:t>
             </a:fld>
             <a:endParaRPr lang="ko-KR" altLang="en-US"/>
           </a:p>
@@ -1317,7 +1317,7 @@
           <a:p>
             <a:fld id="{FB30EDBD-1C2D-4C1E-B459-B60219FAB484}" type="datetimeFigureOut">
               <a:rPr lang="ko-KR" altLang="en-US" smtClean="0"/>
-              <a:t>2020-09-10</a:t>
+              <a:t>2020-09-11</a:t>
             </a:fld>
             <a:endParaRPr lang="ko-KR" altLang="en-US"/>
           </a:p>
@@ -1734,7 +1734,7 @@
           <a:p>
             <a:fld id="{FB30EDBD-1C2D-4C1E-B459-B60219FAB484}" type="datetimeFigureOut">
               <a:rPr lang="ko-KR" altLang="en-US" smtClean="0"/>
-              <a:t>2020-09-10</a:t>
+              <a:t>2020-09-11</a:t>
             </a:fld>
             <a:endParaRPr lang="ko-KR" altLang="en-US"/>
           </a:p>
@@ -1847,7 +1847,7 @@
           <a:p>
             <a:fld id="{FB30EDBD-1C2D-4C1E-B459-B60219FAB484}" type="datetimeFigureOut">
               <a:rPr lang="ko-KR" altLang="en-US" smtClean="0"/>
-              <a:t>2020-09-10</a:t>
+              <a:t>2020-09-11</a:t>
             </a:fld>
             <a:endParaRPr lang="ko-KR" altLang="en-US"/>
           </a:p>
@@ -1937,7 +1937,7 @@
           <a:p>
             <a:fld id="{FB30EDBD-1C2D-4C1E-B459-B60219FAB484}" type="datetimeFigureOut">
               <a:rPr lang="ko-KR" altLang="en-US" smtClean="0"/>
-              <a:t>2020-09-10</a:t>
+              <a:t>2020-09-11</a:t>
             </a:fld>
             <a:endParaRPr lang="ko-KR" altLang="en-US"/>
           </a:p>
@@ -2209,7 +2209,7 @@
           <a:p>
             <a:fld id="{FB30EDBD-1C2D-4C1E-B459-B60219FAB484}" type="datetimeFigureOut">
               <a:rPr lang="ko-KR" altLang="en-US" smtClean="0"/>
-              <a:t>2020-09-10</a:t>
+              <a:t>2020-09-11</a:t>
             </a:fld>
             <a:endParaRPr lang="ko-KR" altLang="en-US"/>
           </a:p>
@@ -2457,7 +2457,7 @@
           <a:p>
             <a:fld id="{FB30EDBD-1C2D-4C1E-B459-B60219FAB484}" type="datetimeFigureOut">
               <a:rPr lang="ko-KR" altLang="en-US" smtClean="0"/>
-              <a:t>2020-09-10</a:t>
+              <a:t>2020-09-11</a:t>
             </a:fld>
             <a:endParaRPr lang="ko-KR" altLang="en-US"/>
           </a:p>
@@ -2665,7 +2665,7 @@
           <a:p>
             <a:fld id="{FB30EDBD-1C2D-4C1E-B459-B60219FAB484}" type="datetimeFigureOut">
               <a:rPr lang="ko-KR" altLang="en-US" smtClean="0"/>
-              <a:t>2020-09-10</a:t>
+              <a:t>2020-09-11</a:t>
             </a:fld>
             <a:endParaRPr lang="ko-KR" altLang="en-US"/>
           </a:p>
@@ -3043,7 +3043,7 @@
         </p:nvSpPr>
         <p:spPr>
           <a:xfrm>
-            <a:off x="1187624" y="1844824"/>
+            <a:off x="1109827" y="1844824"/>
             <a:ext cx="1584176" cy="1584176"/>
           </a:xfrm>
           <a:prstGeom prst="rect">
@@ -3091,7 +3091,7 @@
         </p:nvSpPr>
         <p:spPr>
           <a:xfrm>
-            <a:off x="1194285" y="2259118"/>
+            <a:off x="1116488" y="2259118"/>
             <a:ext cx="1568491" cy="288032"/>
           </a:xfrm>
           <a:prstGeom prst="rect">
@@ -3142,7 +3142,7 @@
         </p:nvSpPr>
         <p:spPr>
           <a:xfrm>
-            <a:off x="3419872" y="1844824"/>
+            <a:off x="3851920" y="1844825"/>
             <a:ext cx="1584176" cy="1584176"/>
           </a:xfrm>
           <a:prstGeom prst="rect">
@@ -3190,7 +3190,7 @@
         </p:nvSpPr>
         <p:spPr>
           <a:xfrm rot="5400000">
-            <a:off x="3283698" y="2485054"/>
+            <a:off x="3715746" y="2485055"/>
             <a:ext cx="1568491" cy="288032"/>
           </a:xfrm>
           <a:prstGeom prst="rect">
@@ -3200,6 +3200,1460 @@
             <a:schemeClr val="accent2">
               <a:lumMod val="40000"/>
               <a:lumOff val="60000"/>
+            </a:schemeClr>
+          </a:solidFill>
+          <a:ln>
+            <a:solidFill>
+              <a:schemeClr val="tx1"/>
+            </a:solidFill>
+          </a:ln>
+        </p:spPr>
+        <p:style>
+          <a:lnRef idx="2">
+            <a:schemeClr val="accent1">
+              <a:shade val="50000"/>
+            </a:schemeClr>
+          </a:lnRef>
+          <a:fillRef idx="1">
+            <a:schemeClr val="accent1"/>
+          </a:fillRef>
+          <a:effectRef idx="0">
+            <a:schemeClr val="accent1"/>
+          </a:effectRef>
+          <a:fontRef idx="minor">
+            <a:schemeClr val="lt1"/>
+          </a:fontRef>
+        </p:style>
+        <p:txBody>
+          <a:bodyPr rtlCol="0" anchor="ctr"/>
+          <a:lstStyle/>
+          <a:p>
+            <a:pPr algn="ctr"/>
+            <a:endParaRPr lang="ko-KR" altLang="en-US"/>
+          </a:p>
+        </p:txBody>
+      </p:sp>
+      <p:sp>
+        <p:nvSpPr>
+          <p:cNvPr id="2" name="원호 1"/>
+          <p:cNvSpPr/>
+          <p:nvPr/>
+        </p:nvSpPr>
+        <p:spPr>
+          <a:xfrm flipH="1">
+            <a:off x="958191" y="1844824"/>
+            <a:ext cx="314848" cy="1584176"/>
+          </a:xfrm>
+          <a:prstGeom prst="arc">
+            <a:avLst>
+              <a:gd name="adj1" fmla="val 16200000"/>
+              <a:gd name="adj2" fmla="val 17969117"/>
+            </a:avLst>
+          </a:prstGeom>
+          <a:ln>
+            <a:solidFill>
+              <a:schemeClr val="tx1"/>
+            </a:solidFill>
+          </a:ln>
+        </p:spPr>
+        <p:style>
+          <a:lnRef idx="1">
+            <a:schemeClr val="accent1"/>
+          </a:lnRef>
+          <a:fillRef idx="0">
+            <a:schemeClr val="accent1"/>
+          </a:fillRef>
+          <a:effectRef idx="0">
+            <a:schemeClr val="accent1"/>
+          </a:effectRef>
+          <a:fontRef idx="minor">
+            <a:schemeClr val="tx1"/>
+          </a:fontRef>
+        </p:style>
+        <p:txBody>
+          <a:bodyPr rtlCol="0" anchor="ctr"/>
+          <a:lstStyle/>
+          <a:p>
+            <a:pPr algn="ctr"/>
+            <a:endParaRPr lang="ko-KR" altLang="en-US"/>
+          </a:p>
+        </p:txBody>
+      </p:sp>
+      <p:sp>
+        <p:nvSpPr>
+          <p:cNvPr id="8" name="원호 7"/>
+          <p:cNvSpPr/>
+          <p:nvPr/>
+        </p:nvSpPr>
+        <p:spPr>
+          <a:xfrm flipH="1" flipV="1">
+            <a:off x="959064" y="1844824"/>
+            <a:ext cx="314848" cy="1584176"/>
+          </a:xfrm>
+          <a:prstGeom prst="arc">
+            <a:avLst>
+              <a:gd name="adj1" fmla="val 16200000"/>
+              <a:gd name="adj2" fmla="val 17969117"/>
+            </a:avLst>
+          </a:prstGeom>
+          <a:ln>
+            <a:solidFill>
+              <a:schemeClr val="tx1"/>
+            </a:solidFill>
+          </a:ln>
+        </p:spPr>
+        <p:style>
+          <a:lnRef idx="1">
+            <a:schemeClr val="accent1"/>
+          </a:lnRef>
+          <a:fillRef idx="0">
+            <a:schemeClr val="accent1"/>
+          </a:fillRef>
+          <a:effectRef idx="0">
+            <a:schemeClr val="accent1"/>
+          </a:effectRef>
+          <a:fontRef idx="minor">
+            <a:schemeClr val="tx1"/>
+          </a:fontRef>
+        </p:style>
+        <p:txBody>
+          <a:bodyPr rtlCol="0" anchor="ctr"/>
+          <a:lstStyle/>
+          <a:p>
+            <a:pPr algn="ctr"/>
+            <a:endParaRPr lang="ko-KR" altLang="en-US"/>
+          </a:p>
+        </p:txBody>
+      </p:sp>
+      <mc:AlternateContent xmlns:mc="http://schemas.openxmlformats.org/markup-compatibility/2006">
+        <mc:Choice xmlns:a14="http://schemas.microsoft.com/office/drawing/2010/main" Requires="a14">
+          <p:sp>
+            <p:nvSpPr>
+              <p:cNvPr id="3" name="TextBox 2"/>
+              <p:cNvSpPr txBox="1"/>
+              <p:nvPr/>
+            </p:nvSpPr>
+            <p:spPr>
+              <a:xfrm>
+                <a:off x="677779" y="2420888"/>
+                <a:ext cx="464358" cy="369332"/>
+              </a:xfrm>
+              <a:prstGeom prst="rect">
+                <a:avLst/>
+              </a:prstGeom>
+              <a:noFill/>
+            </p:spPr>
+            <p:txBody>
+              <a:bodyPr wrap="none" rtlCol="0">
+                <a:spAutoFit/>
+              </a:bodyPr>
+              <a:lstStyle/>
+              <a:p>
+                <a14:m>
+                  <m:oMathPara xmlns:m="http://schemas.openxmlformats.org/officeDocument/2006/math">
+                    <m:oMathParaPr>
+                      <m:jc m:val="centerGroup"/>
+                    </m:oMathParaPr>
+                    <m:oMath xmlns:m="http://schemas.openxmlformats.org/officeDocument/2006/math">
+                      <m:r>
+                        <a:rPr lang="en-US" altLang="ko-KR" b="0" i="1" smtClean="0">
+                          <a:latin typeface="Cambria Math"/>
+                        </a:rPr>
+                        <m:t>𝑚</m:t>
+                      </m:r>
+                    </m:oMath>
+                  </m:oMathPara>
+                </a14:m>
+                <a:endParaRPr lang="ko-KR" altLang="en-US" dirty="0"/>
+              </a:p>
+            </p:txBody>
+          </p:sp>
+        </mc:Choice>
+        <mc:Fallback>
+          <p:sp>
+            <p:nvSpPr>
+              <p:cNvPr id="3" name="TextBox 2"/>
+              <p:cNvSpPr txBox="1">
+                <a:spLocks noRot="1" noChangeAspect="1" noMove="1" noResize="1" noEditPoints="1" noAdjustHandles="1" noChangeArrowheads="1" noChangeShapeType="1" noTextEdit="1"/>
+              </p:cNvSpPr>
+              <p:nvPr/>
+            </p:nvSpPr>
+            <p:spPr>
+              <a:xfrm>
+                <a:off x="677779" y="2420888"/>
+                <a:ext cx="464358" cy="369332"/>
+              </a:xfrm>
+              <a:prstGeom prst="rect">
+                <a:avLst/>
+              </a:prstGeom>
+              <a:blipFill rotWithShape="1">
+                <a:blip r:embed="rId2"/>
+                <a:stretch>
+                  <a:fillRect/>
+                </a:stretch>
+              </a:blipFill>
+            </p:spPr>
+            <p:txBody>
+              <a:bodyPr/>
+              <a:lstStyle/>
+              <a:p>
+                <a:r>
+                  <a:rPr lang="ko-KR" altLang="en-US">
+                    <a:noFill/>
+                  </a:rPr>
+                  <a:t> </a:t>
+                </a:r>
+              </a:p>
+            </p:txBody>
+          </p:sp>
+        </mc:Fallback>
+      </mc:AlternateContent>
+      <p:grpSp>
+        <p:nvGrpSpPr>
+          <p:cNvPr id="12" name="그룹 11"/>
+          <p:cNvGrpSpPr/>
+          <p:nvPr/>
+        </p:nvGrpSpPr>
+        <p:grpSpPr>
+          <a:xfrm rot="5400000">
+            <a:off x="1633395" y="942513"/>
+            <a:ext cx="548618" cy="1584176"/>
+            <a:chOff x="955491" y="1997224"/>
+            <a:chExt cx="548618" cy="1584176"/>
+          </a:xfrm>
+        </p:grpSpPr>
+        <p:sp>
+          <p:nvSpPr>
+            <p:cNvPr id="9" name="원호 8"/>
+            <p:cNvSpPr/>
+            <p:nvPr/>
+          </p:nvSpPr>
+          <p:spPr>
+            <a:xfrm flipH="1">
+              <a:off x="1188388" y="1997224"/>
+              <a:ext cx="314848" cy="1584176"/>
+            </a:xfrm>
+            <a:prstGeom prst="arc">
+              <a:avLst>
+                <a:gd name="adj1" fmla="val 16200000"/>
+                <a:gd name="adj2" fmla="val 17969117"/>
+              </a:avLst>
+            </a:prstGeom>
+            <a:ln>
+              <a:solidFill>
+                <a:schemeClr val="tx1"/>
+              </a:solidFill>
+            </a:ln>
+          </p:spPr>
+          <p:style>
+            <a:lnRef idx="1">
+              <a:schemeClr val="accent1"/>
+            </a:lnRef>
+            <a:fillRef idx="0">
+              <a:schemeClr val="accent1"/>
+            </a:fillRef>
+            <a:effectRef idx="0">
+              <a:schemeClr val="accent1"/>
+            </a:effectRef>
+            <a:fontRef idx="minor">
+              <a:schemeClr val="tx1"/>
+            </a:fontRef>
+          </p:style>
+          <p:txBody>
+            <a:bodyPr rtlCol="0" anchor="ctr"/>
+            <a:lstStyle/>
+            <a:p>
+              <a:pPr algn="ctr"/>
+              <a:endParaRPr lang="ko-KR" altLang="en-US"/>
+            </a:p>
+          </p:txBody>
+        </p:sp>
+        <p:sp>
+          <p:nvSpPr>
+            <p:cNvPr id="10" name="원호 9"/>
+            <p:cNvSpPr/>
+            <p:nvPr/>
+          </p:nvSpPr>
+          <p:spPr>
+            <a:xfrm flipH="1" flipV="1">
+              <a:off x="1189261" y="1997224"/>
+              <a:ext cx="314848" cy="1584176"/>
+            </a:xfrm>
+            <a:prstGeom prst="arc">
+              <a:avLst>
+                <a:gd name="adj1" fmla="val 16200000"/>
+                <a:gd name="adj2" fmla="val 17969117"/>
+              </a:avLst>
+            </a:prstGeom>
+            <a:ln>
+              <a:solidFill>
+                <a:schemeClr val="tx1"/>
+              </a:solidFill>
+            </a:ln>
+          </p:spPr>
+          <p:style>
+            <a:lnRef idx="1">
+              <a:schemeClr val="accent1"/>
+            </a:lnRef>
+            <a:fillRef idx="0">
+              <a:schemeClr val="accent1"/>
+            </a:fillRef>
+            <a:effectRef idx="0">
+              <a:schemeClr val="accent1"/>
+            </a:effectRef>
+            <a:fontRef idx="minor">
+              <a:schemeClr val="tx1"/>
+            </a:fontRef>
+          </p:style>
+          <p:txBody>
+            <a:bodyPr rtlCol="0" anchor="ctr"/>
+            <a:lstStyle/>
+            <a:p>
+              <a:pPr algn="ctr"/>
+              <a:endParaRPr lang="ko-KR" altLang="en-US"/>
+            </a:p>
+          </p:txBody>
+        </p:sp>
+        <mc:AlternateContent xmlns:mc="http://schemas.openxmlformats.org/markup-compatibility/2006">
+          <mc:Choice xmlns:a14="http://schemas.microsoft.com/office/drawing/2010/main" Requires="a14">
+            <p:sp>
+              <p:nvSpPr>
+                <p:cNvPr id="11" name="TextBox 10"/>
+                <p:cNvSpPr txBox="1"/>
+                <p:nvPr/>
+              </p:nvSpPr>
+              <p:spPr>
+                <a:xfrm rot="16200000">
+                  <a:off x="940262" y="2605572"/>
+                  <a:ext cx="399789" cy="369332"/>
+                </a:xfrm>
+                <a:prstGeom prst="rect">
+                  <a:avLst/>
+                </a:prstGeom>
+                <a:noFill/>
+              </p:spPr>
+              <p:txBody>
+                <a:bodyPr wrap="none" rtlCol="0">
+                  <a:spAutoFit/>
+                </a:bodyPr>
+                <a:lstStyle/>
+                <a:p>
+                  <a14:m>
+                    <m:oMathPara xmlns:m="http://schemas.openxmlformats.org/officeDocument/2006/math">
+                      <m:oMathParaPr>
+                        <m:jc m:val="centerGroup"/>
+                      </m:oMathParaPr>
+                      <m:oMath xmlns:m="http://schemas.openxmlformats.org/officeDocument/2006/math">
+                        <m:r>
+                          <a:rPr lang="en-US" altLang="ko-KR" b="0" i="1" smtClean="0">
+                            <a:latin typeface="Cambria Math"/>
+                          </a:rPr>
+                          <m:t>𝑘</m:t>
+                        </m:r>
+                      </m:oMath>
+                    </m:oMathPara>
+                  </a14:m>
+                  <a:endParaRPr lang="ko-KR" altLang="en-US" dirty="0"/>
+                </a:p>
+              </p:txBody>
+            </p:sp>
+          </mc:Choice>
+          <mc:Fallback>
+            <p:sp>
+              <p:nvSpPr>
+                <p:cNvPr id="11" name="TextBox 10"/>
+                <p:cNvSpPr txBox="1">
+                  <a:spLocks noRot="1" noChangeAspect="1" noMove="1" noResize="1" noEditPoints="1" noAdjustHandles="1" noChangeArrowheads="1" noChangeShapeType="1" noTextEdit="1"/>
+                </p:cNvSpPr>
+                <p:nvPr/>
+              </p:nvSpPr>
+              <p:spPr>
+                <a:xfrm rot="16200000">
+                  <a:off x="940262" y="2605572"/>
+                  <a:ext cx="399789" cy="369332"/>
+                </a:xfrm>
+                <a:prstGeom prst="rect">
+                  <a:avLst/>
+                </a:prstGeom>
+                <a:blipFill rotWithShape="1">
+                  <a:blip r:embed="rId3"/>
+                  <a:stretch>
+                    <a:fillRect/>
+                  </a:stretch>
+                </a:blipFill>
+              </p:spPr>
+              <p:txBody>
+                <a:bodyPr/>
+                <a:lstStyle/>
+                <a:p>
+                  <a:r>
+                    <a:rPr lang="ko-KR" altLang="en-US">
+                      <a:noFill/>
+                    </a:rPr>
+                    <a:t> </a:t>
+                  </a:r>
+                </a:p>
+              </p:txBody>
+            </p:sp>
+          </mc:Fallback>
+        </mc:AlternateContent>
+      </p:grpSp>
+      <p:sp>
+        <p:nvSpPr>
+          <p:cNvPr id="13" name="원호 12"/>
+          <p:cNvSpPr/>
+          <p:nvPr/>
+        </p:nvSpPr>
+        <p:spPr>
+          <a:xfrm flipH="1">
+            <a:off x="3694495" y="1844825"/>
+            <a:ext cx="314848" cy="1584176"/>
+          </a:xfrm>
+          <a:prstGeom prst="arc">
+            <a:avLst>
+              <a:gd name="adj1" fmla="val 16200000"/>
+              <a:gd name="adj2" fmla="val 17969117"/>
+            </a:avLst>
+          </a:prstGeom>
+          <a:ln>
+            <a:solidFill>
+              <a:schemeClr val="tx1"/>
+            </a:solidFill>
+          </a:ln>
+        </p:spPr>
+        <p:style>
+          <a:lnRef idx="1">
+            <a:schemeClr val="accent1"/>
+          </a:lnRef>
+          <a:fillRef idx="0">
+            <a:schemeClr val="accent1"/>
+          </a:fillRef>
+          <a:effectRef idx="0">
+            <a:schemeClr val="accent1"/>
+          </a:effectRef>
+          <a:fontRef idx="minor">
+            <a:schemeClr val="tx1"/>
+          </a:fontRef>
+        </p:style>
+        <p:txBody>
+          <a:bodyPr rtlCol="0" anchor="ctr"/>
+          <a:lstStyle/>
+          <a:p>
+            <a:pPr algn="ctr"/>
+            <a:endParaRPr lang="ko-KR" altLang="en-US"/>
+          </a:p>
+        </p:txBody>
+      </p:sp>
+      <p:sp>
+        <p:nvSpPr>
+          <p:cNvPr id="14" name="원호 13"/>
+          <p:cNvSpPr/>
+          <p:nvPr/>
+        </p:nvSpPr>
+        <p:spPr>
+          <a:xfrm flipH="1" flipV="1">
+            <a:off x="3695368" y="1844825"/>
+            <a:ext cx="314848" cy="1584176"/>
+          </a:xfrm>
+          <a:prstGeom prst="arc">
+            <a:avLst>
+              <a:gd name="adj1" fmla="val 16200000"/>
+              <a:gd name="adj2" fmla="val 17969117"/>
+            </a:avLst>
+          </a:prstGeom>
+          <a:ln>
+            <a:solidFill>
+              <a:schemeClr val="tx1"/>
+            </a:solidFill>
+          </a:ln>
+        </p:spPr>
+        <p:style>
+          <a:lnRef idx="1">
+            <a:schemeClr val="accent1"/>
+          </a:lnRef>
+          <a:fillRef idx="0">
+            <a:schemeClr val="accent1"/>
+          </a:fillRef>
+          <a:effectRef idx="0">
+            <a:schemeClr val="accent1"/>
+          </a:effectRef>
+          <a:fontRef idx="minor">
+            <a:schemeClr val="tx1"/>
+          </a:fontRef>
+        </p:style>
+        <p:txBody>
+          <a:bodyPr rtlCol="0" anchor="ctr"/>
+          <a:lstStyle/>
+          <a:p>
+            <a:pPr algn="ctr"/>
+            <a:endParaRPr lang="ko-KR" altLang="en-US"/>
+          </a:p>
+        </p:txBody>
+      </p:sp>
+      <mc:AlternateContent xmlns:mc="http://schemas.openxmlformats.org/markup-compatibility/2006">
+        <mc:Choice xmlns:a14="http://schemas.microsoft.com/office/drawing/2010/main" Requires="a14">
+          <p:sp>
+            <p:nvSpPr>
+              <p:cNvPr id="15" name="TextBox 14"/>
+              <p:cNvSpPr txBox="1"/>
+              <p:nvPr/>
+            </p:nvSpPr>
+            <p:spPr>
+              <a:xfrm>
+                <a:off x="3414083" y="2420889"/>
+                <a:ext cx="399789" cy="369332"/>
+              </a:xfrm>
+              <a:prstGeom prst="rect">
+                <a:avLst/>
+              </a:prstGeom>
+              <a:noFill/>
+            </p:spPr>
+            <p:txBody>
+              <a:bodyPr wrap="none" rtlCol="0">
+                <a:spAutoFit/>
+              </a:bodyPr>
+              <a:lstStyle/>
+              <a:p>
+                <a14:m>
+                  <m:oMathPara xmlns:m="http://schemas.openxmlformats.org/officeDocument/2006/math">
+                    <m:oMathParaPr>
+                      <m:jc m:val="centerGroup"/>
+                    </m:oMathParaPr>
+                    <m:oMath xmlns:m="http://schemas.openxmlformats.org/officeDocument/2006/math">
+                      <m:r>
+                        <a:rPr lang="en-US" altLang="ko-KR" b="0" i="1" smtClean="0">
+                          <a:latin typeface="Cambria Math"/>
+                        </a:rPr>
+                        <m:t>𝑘</m:t>
+                      </m:r>
+                    </m:oMath>
+                  </m:oMathPara>
+                </a14:m>
+                <a:endParaRPr lang="ko-KR" altLang="en-US" dirty="0"/>
+              </a:p>
+            </p:txBody>
+          </p:sp>
+        </mc:Choice>
+        <mc:Fallback>
+          <p:sp>
+            <p:nvSpPr>
+              <p:cNvPr id="15" name="TextBox 14"/>
+              <p:cNvSpPr txBox="1">
+                <a:spLocks noRot="1" noChangeAspect="1" noMove="1" noResize="1" noEditPoints="1" noAdjustHandles="1" noChangeArrowheads="1" noChangeShapeType="1" noTextEdit="1"/>
+              </p:cNvSpPr>
+              <p:nvPr/>
+            </p:nvSpPr>
+            <p:spPr>
+              <a:xfrm>
+                <a:off x="3414083" y="2420889"/>
+                <a:ext cx="399789" cy="369332"/>
+              </a:xfrm>
+              <a:prstGeom prst="rect">
+                <a:avLst/>
+              </a:prstGeom>
+              <a:blipFill rotWithShape="1">
+                <a:blip r:embed="rId4"/>
+                <a:stretch>
+                  <a:fillRect/>
+                </a:stretch>
+              </a:blipFill>
+            </p:spPr>
+            <p:txBody>
+              <a:bodyPr/>
+              <a:lstStyle/>
+              <a:p>
+                <a:r>
+                  <a:rPr lang="ko-KR" altLang="en-US">
+                    <a:noFill/>
+                  </a:rPr>
+                  <a:t> </a:t>
+                </a:r>
+              </a:p>
+            </p:txBody>
+          </p:sp>
+        </mc:Fallback>
+      </mc:AlternateContent>
+      <p:grpSp>
+        <p:nvGrpSpPr>
+          <p:cNvPr id="16" name="그룹 15"/>
+          <p:cNvGrpSpPr/>
+          <p:nvPr/>
+        </p:nvGrpSpPr>
+        <p:grpSpPr>
+          <a:xfrm rot="5400000">
+            <a:off x="4369699" y="942514"/>
+            <a:ext cx="548618" cy="1584176"/>
+            <a:chOff x="955491" y="1997224"/>
+            <a:chExt cx="548618" cy="1584176"/>
+          </a:xfrm>
+        </p:grpSpPr>
+        <p:sp>
+          <p:nvSpPr>
+            <p:cNvPr id="17" name="원호 16"/>
+            <p:cNvSpPr/>
+            <p:nvPr/>
+          </p:nvSpPr>
+          <p:spPr>
+            <a:xfrm flipH="1">
+              <a:off x="1188388" y="1997224"/>
+              <a:ext cx="314848" cy="1584176"/>
+            </a:xfrm>
+            <a:prstGeom prst="arc">
+              <a:avLst>
+                <a:gd name="adj1" fmla="val 16200000"/>
+                <a:gd name="adj2" fmla="val 17969117"/>
+              </a:avLst>
+            </a:prstGeom>
+            <a:ln>
+              <a:solidFill>
+                <a:schemeClr val="tx1"/>
+              </a:solidFill>
+            </a:ln>
+          </p:spPr>
+          <p:style>
+            <a:lnRef idx="1">
+              <a:schemeClr val="accent1"/>
+            </a:lnRef>
+            <a:fillRef idx="0">
+              <a:schemeClr val="accent1"/>
+            </a:fillRef>
+            <a:effectRef idx="0">
+              <a:schemeClr val="accent1"/>
+            </a:effectRef>
+            <a:fontRef idx="minor">
+              <a:schemeClr val="tx1"/>
+            </a:fontRef>
+          </p:style>
+          <p:txBody>
+            <a:bodyPr rtlCol="0" anchor="ctr"/>
+            <a:lstStyle/>
+            <a:p>
+              <a:pPr algn="ctr"/>
+              <a:endParaRPr lang="ko-KR" altLang="en-US"/>
+            </a:p>
+          </p:txBody>
+        </p:sp>
+        <p:sp>
+          <p:nvSpPr>
+            <p:cNvPr id="18" name="원호 17"/>
+            <p:cNvSpPr/>
+            <p:nvPr/>
+          </p:nvSpPr>
+          <p:spPr>
+            <a:xfrm flipH="1" flipV="1">
+              <a:off x="1189261" y="1997224"/>
+              <a:ext cx="314848" cy="1584176"/>
+            </a:xfrm>
+            <a:prstGeom prst="arc">
+              <a:avLst>
+                <a:gd name="adj1" fmla="val 16200000"/>
+                <a:gd name="adj2" fmla="val 17969117"/>
+              </a:avLst>
+            </a:prstGeom>
+            <a:ln>
+              <a:solidFill>
+                <a:schemeClr val="tx1"/>
+              </a:solidFill>
+            </a:ln>
+          </p:spPr>
+          <p:style>
+            <a:lnRef idx="1">
+              <a:schemeClr val="accent1"/>
+            </a:lnRef>
+            <a:fillRef idx="0">
+              <a:schemeClr val="accent1"/>
+            </a:fillRef>
+            <a:effectRef idx="0">
+              <a:schemeClr val="accent1"/>
+            </a:effectRef>
+            <a:fontRef idx="minor">
+              <a:schemeClr val="tx1"/>
+            </a:fontRef>
+          </p:style>
+          <p:txBody>
+            <a:bodyPr rtlCol="0" anchor="ctr"/>
+            <a:lstStyle/>
+            <a:p>
+              <a:pPr algn="ctr"/>
+              <a:endParaRPr lang="ko-KR" altLang="en-US"/>
+            </a:p>
+          </p:txBody>
+        </p:sp>
+        <mc:AlternateContent xmlns:mc="http://schemas.openxmlformats.org/markup-compatibility/2006">
+          <mc:Choice xmlns:a14="http://schemas.microsoft.com/office/drawing/2010/main" Requires="a14">
+            <p:sp>
+              <p:nvSpPr>
+                <p:cNvPr id="19" name="TextBox 18"/>
+                <p:cNvSpPr txBox="1"/>
+                <p:nvPr/>
+              </p:nvSpPr>
+              <p:spPr>
+                <a:xfrm rot="16200000">
+                  <a:off x="940262" y="2605572"/>
+                  <a:ext cx="399789" cy="369332"/>
+                </a:xfrm>
+                <a:prstGeom prst="rect">
+                  <a:avLst/>
+                </a:prstGeom>
+                <a:noFill/>
+              </p:spPr>
+              <p:txBody>
+                <a:bodyPr wrap="none" rtlCol="0">
+                  <a:spAutoFit/>
+                </a:bodyPr>
+                <a:lstStyle/>
+                <a:p>
+                  <a14:m>
+                    <m:oMathPara xmlns:m="http://schemas.openxmlformats.org/officeDocument/2006/math">
+                      <m:oMathParaPr>
+                        <m:jc m:val="centerGroup"/>
+                      </m:oMathParaPr>
+                      <m:oMath xmlns:m="http://schemas.openxmlformats.org/officeDocument/2006/math">
+                        <m:r>
+                          <a:rPr lang="en-US" altLang="ko-KR" b="0" i="1" smtClean="0">
+                            <a:latin typeface="Cambria Math"/>
+                          </a:rPr>
+                          <m:t>𝑛</m:t>
+                        </m:r>
+                      </m:oMath>
+                    </m:oMathPara>
+                  </a14:m>
+                  <a:endParaRPr lang="ko-KR" altLang="en-US" dirty="0"/>
+                </a:p>
+              </p:txBody>
+            </p:sp>
+          </mc:Choice>
+          <mc:Fallback>
+            <p:sp>
+              <p:nvSpPr>
+                <p:cNvPr id="19" name="TextBox 18"/>
+                <p:cNvSpPr txBox="1">
+                  <a:spLocks noRot="1" noChangeAspect="1" noMove="1" noResize="1" noEditPoints="1" noAdjustHandles="1" noChangeArrowheads="1" noChangeShapeType="1" noTextEdit="1"/>
+                </p:cNvSpPr>
+                <p:nvPr/>
+              </p:nvSpPr>
+              <p:spPr>
+                <a:xfrm rot="16200000">
+                  <a:off x="940262" y="2605572"/>
+                  <a:ext cx="399789" cy="369332"/>
+                </a:xfrm>
+                <a:prstGeom prst="rect">
+                  <a:avLst/>
+                </a:prstGeom>
+                <a:blipFill rotWithShape="1">
+                  <a:blip r:embed="rId5"/>
+                  <a:stretch>
+                    <a:fillRect/>
+                  </a:stretch>
+                </a:blipFill>
+              </p:spPr>
+              <p:txBody>
+                <a:bodyPr/>
+                <a:lstStyle/>
+                <a:p>
+                  <a:r>
+                    <a:rPr lang="ko-KR" altLang="en-US">
+                      <a:noFill/>
+                    </a:rPr>
+                    <a:t> </a:t>
+                  </a:r>
+                </a:p>
+              </p:txBody>
+            </p:sp>
+          </mc:Fallback>
+        </mc:AlternateContent>
+      </p:grpSp>
+      <mc:AlternateContent xmlns:mc="http://schemas.openxmlformats.org/markup-compatibility/2006">
+        <mc:Choice xmlns:a14="http://schemas.microsoft.com/office/drawing/2010/main" Requires="a14">
+          <p:sp>
+            <p:nvSpPr>
+              <p:cNvPr id="20" name="TextBox 19"/>
+              <p:cNvSpPr txBox="1"/>
+              <p:nvPr/>
+            </p:nvSpPr>
+            <p:spPr>
+              <a:xfrm>
+                <a:off x="2915816" y="2420889"/>
+                <a:ext cx="431528" cy="369332"/>
+              </a:xfrm>
+              <a:prstGeom prst="rect">
+                <a:avLst/>
+              </a:prstGeom>
+              <a:noFill/>
+            </p:spPr>
+            <p:txBody>
+              <a:bodyPr wrap="none" rtlCol="0">
+                <a:spAutoFit/>
+              </a:bodyPr>
+              <a:lstStyle/>
+              <a:p>
+                <a14:m>
+                  <m:oMathPara xmlns:m="http://schemas.openxmlformats.org/officeDocument/2006/math">
+                    <m:oMathParaPr>
+                      <m:jc m:val="centerGroup"/>
+                    </m:oMathParaPr>
+                    <m:oMath xmlns:m="http://schemas.openxmlformats.org/officeDocument/2006/math">
+                      <m:r>
+                        <a:rPr lang="en-US" altLang="ko-KR" b="0" i="1" smtClean="0">
+                          <a:latin typeface="Cambria Math"/>
+                        </a:rPr>
+                        <m:t>×</m:t>
+                      </m:r>
+                    </m:oMath>
+                  </m:oMathPara>
+                </a14:m>
+                <a:endParaRPr lang="ko-KR" altLang="en-US" dirty="0"/>
+              </a:p>
+            </p:txBody>
+          </p:sp>
+        </mc:Choice>
+        <mc:Fallback>
+          <p:sp>
+            <p:nvSpPr>
+              <p:cNvPr id="20" name="TextBox 19"/>
+              <p:cNvSpPr txBox="1">
+                <a:spLocks noRot="1" noChangeAspect="1" noMove="1" noResize="1" noEditPoints="1" noAdjustHandles="1" noChangeArrowheads="1" noChangeShapeType="1" noTextEdit="1"/>
+              </p:cNvSpPr>
+              <p:nvPr/>
+            </p:nvSpPr>
+            <p:spPr>
+              <a:xfrm>
+                <a:off x="2915816" y="2420889"/>
+                <a:ext cx="431528" cy="369332"/>
+              </a:xfrm>
+              <a:prstGeom prst="rect">
+                <a:avLst/>
+              </a:prstGeom>
+              <a:blipFill rotWithShape="1">
+                <a:blip r:embed="rId6"/>
+                <a:stretch>
+                  <a:fillRect/>
+                </a:stretch>
+              </a:blipFill>
+            </p:spPr>
+            <p:txBody>
+              <a:bodyPr/>
+              <a:lstStyle/>
+              <a:p>
+                <a:r>
+                  <a:rPr lang="ko-KR" altLang="en-US">
+                    <a:noFill/>
+                  </a:rPr>
+                  <a:t> </a:t>
+                </a:r>
+              </a:p>
+            </p:txBody>
+          </p:sp>
+        </mc:Fallback>
+      </mc:AlternateContent>
+      <p:sp>
+        <p:nvSpPr>
+          <p:cNvPr id="21" name="직사각형 20"/>
+          <p:cNvSpPr/>
+          <p:nvPr/>
+        </p:nvSpPr>
+        <p:spPr>
+          <a:xfrm>
+            <a:off x="6804248" y="1844825"/>
+            <a:ext cx="1584176" cy="1584176"/>
+          </a:xfrm>
+          <a:prstGeom prst="rect">
+            <a:avLst/>
+          </a:prstGeom>
+          <a:solidFill>
+            <a:schemeClr val="bg1"/>
+          </a:solidFill>
+          <a:ln>
+            <a:solidFill>
+              <a:schemeClr val="tx1"/>
+            </a:solidFill>
+          </a:ln>
+        </p:spPr>
+        <p:style>
+          <a:lnRef idx="2">
+            <a:schemeClr val="accent1">
+              <a:shade val="50000"/>
+            </a:schemeClr>
+          </a:lnRef>
+          <a:fillRef idx="1">
+            <a:schemeClr val="accent1"/>
+          </a:fillRef>
+          <a:effectRef idx="0">
+            <a:schemeClr val="accent1"/>
+          </a:effectRef>
+          <a:fontRef idx="minor">
+            <a:schemeClr val="lt1"/>
+          </a:fontRef>
+        </p:style>
+        <p:txBody>
+          <a:bodyPr rtlCol="0" anchor="ctr"/>
+          <a:lstStyle/>
+          <a:p>
+            <a:pPr algn="ctr"/>
+            <a:endParaRPr lang="ko-KR" altLang="en-US"/>
+          </a:p>
+        </p:txBody>
+      </p:sp>
+      <p:sp>
+        <p:nvSpPr>
+          <p:cNvPr id="23" name="원호 22"/>
+          <p:cNvSpPr/>
+          <p:nvPr/>
+        </p:nvSpPr>
+        <p:spPr>
+          <a:xfrm flipH="1">
+            <a:off x="6646823" y="1844825"/>
+            <a:ext cx="314848" cy="1584176"/>
+          </a:xfrm>
+          <a:prstGeom prst="arc">
+            <a:avLst>
+              <a:gd name="adj1" fmla="val 16200000"/>
+              <a:gd name="adj2" fmla="val 17969117"/>
+            </a:avLst>
+          </a:prstGeom>
+          <a:ln>
+            <a:solidFill>
+              <a:schemeClr val="tx1"/>
+            </a:solidFill>
+          </a:ln>
+        </p:spPr>
+        <p:style>
+          <a:lnRef idx="1">
+            <a:schemeClr val="accent1"/>
+          </a:lnRef>
+          <a:fillRef idx="0">
+            <a:schemeClr val="accent1"/>
+          </a:fillRef>
+          <a:effectRef idx="0">
+            <a:schemeClr val="accent1"/>
+          </a:effectRef>
+          <a:fontRef idx="minor">
+            <a:schemeClr val="tx1"/>
+          </a:fontRef>
+        </p:style>
+        <p:txBody>
+          <a:bodyPr rtlCol="0" anchor="ctr"/>
+          <a:lstStyle/>
+          <a:p>
+            <a:pPr algn="ctr"/>
+            <a:endParaRPr lang="ko-KR" altLang="en-US"/>
+          </a:p>
+        </p:txBody>
+      </p:sp>
+      <p:sp>
+        <p:nvSpPr>
+          <p:cNvPr id="24" name="원호 23"/>
+          <p:cNvSpPr/>
+          <p:nvPr/>
+        </p:nvSpPr>
+        <p:spPr>
+          <a:xfrm flipH="1" flipV="1">
+            <a:off x="6647696" y="1844825"/>
+            <a:ext cx="314848" cy="1584176"/>
+          </a:xfrm>
+          <a:prstGeom prst="arc">
+            <a:avLst>
+              <a:gd name="adj1" fmla="val 16200000"/>
+              <a:gd name="adj2" fmla="val 17969117"/>
+            </a:avLst>
+          </a:prstGeom>
+          <a:ln>
+            <a:solidFill>
+              <a:schemeClr val="tx1"/>
+            </a:solidFill>
+          </a:ln>
+        </p:spPr>
+        <p:style>
+          <a:lnRef idx="1">
+            <a:schemeClr val="accent1"/>
+          </a:lnRef>
+          <a:fillRef idx="0">
+            <a:schemeClr val="accent1"/>
+          </a:fillRef>
+          <a:effectRef idx="0">
+            <a:schemeClr val="accent1"/>
+          </a:effectRef>
+          <a:fontRef idx="minor">
+            <a:schemeClr val="tx1"/>
+          </a:fontRef>
+        </p:style>
+        <p:txBody>
+          <a:bodyPr rtlCol="0" anchor="ctr"/>
+          <a:lstStyle/>
+          <a:p>
+            <a:pPr algn="ctr"/>
+            <a:endParaRPr lang="ko-KR" altLang="en-US"/>
+          </a:p>
+        </p:txBody>
+      </p:sp>
+      <p:grpSp>
+        <p:nvGrpSpPr>
+          <p:cNvPr id="25" name="그룹 24"/>
+          <p:cNvGrpSpPr/>
+          <p:nvPr/>
+        </p:nvGrpSpPr>
+        <p:grpSpPr>
+          <a:xfrm rot="5400000">
+            <a:off x="7322027" y="942514"/>
+            <a:ext cx="548618" cy="1584176"/>
+            <a:chOff x="955491" y="1997224"/>
+            <a:chExt cx="548618" cy="1584176"/>
+          </a:xfrm>
+        </p:grpSpPr>
+        <p:sp>
+          <p:nvSpPr>
+            <p:cNvPr id="26" name="원호 25"/>
+            <p:cNvSpPr/>
+            <p:nvPr/>
+          </p:nvSpPr>
+          <p:spPr>
+            <a:xfrm flipH="1">
+              <a:off x="1188388" y="1997224"/>
+              <a:ext cx="314848" cy="1584176"/>
+            </a:xfrm>
+            <a:prstGeom prst="arc">
+              <a:avLst>
+                <a:gd name="adj1" fmla="val 16200000"/>
+                <a:gd name="adj2" fmla="val 17969117"/>
+              </a:avLst>
+            </a:prstGeom>
+            <a:ln>
+              <a:solidFill>
+                <a:schemeClr val="tx1"/>
+              </a:solidFill>
+            </a:ln>
+          </p:spPr>
+          <p:style>
+            <a:lnRef idx="1">
+              <a:schemeClr val="accent1"/>
+            </a:lnRef>
+            <a:fillRef idx="0">
+              <a:schemeClr val="accent1"/>
+            </a:fillRef>
+            <a:effectRef idx="0">
+              <a:schemeClr val="accent1"/>
+            </a:effectRef>
+            <a:fontRef idx="minor">
+              <a:schemeClr val="tx1"/>
+            </a:fontRef>
+          </p:style>
+          <p:txBody>
+            <a:bodyPr rtlCol="0" anchor="ctr"/>
+            <a:lstStyle/>
+            <a:p>
+              <a:pPr algn="ctr"/>
+              <a:endParaRPr lang="ko-KR" altLang="en-US"/>
+            </a:p>
+          </p:txBody>
+        </p:sp>
+        <p:sp>
+          <p:nvSpPr>
+            <p:cNvPr id="27" name="원호 26"/>
+            <p:cNvSpPr/>
+            <p:nvPr/>
+          </p:nvSpPr>
+          <p:spPr>
+            <a:xfrm flipH="1" flipV="1">
+              <a:off x="1189261" y="1997224"/>
+              <a:ext cx="314848" cy="1584176"/>
+            </a:xfrm>
+            <a:prstGeom prst="arc">
+              <a:avLst>
+                <a:gd name="adj1" fmla="val 16200000"/>
+                <a:gd name="adj2" fmla="val 17969117"/>
+              </a:avLst>
+            </a:prstGeom>
+            <a:ln>
+              <a:solidFill>
+                <a:schemeClr val="tx1"/>
+              </a:solidFill>
+            </a:ln>
+          </p:spPr>
+          <p:style>
+            <a:lnRef idx="1">
+              <a:schemeClr val="accent1"/>
+            </a:lnRef>
+            <a:fillRef idx="0">
+              <a:schemeClr val="accent1"/>
+            </a:fillRef>
+            <a:effectRef idx="0">
+              <a:schemeClr val="accent1"/>
+            </a:effectRef>
+            <a:fontRef idx="minor">
+              <a:schemeClr val="tx1"/>
+            </a:fontRef>
+          </p:style>
+          <p:txBody>
+            <a:bodyPr rtlCol="0" anchor="ctr"/>
+            <a:lstStyle/>
+            <a:p>
+              <a:pPr algn="ctr"/>
+              <a:endParaRPr lang="ko-KR" altLang="en-US"/>
+            </a:p>
+          </p:txBody>
+        </p:sp>
+        <mc:AlternateContent xmlns:mc="http://schemas.openxmlformats.org/markup-compatibility/2006">
+          <mc:Choice xmlns:a14="http://schemas.microsoft.com/office/drawing/2010/main" Requires="a14">
+            <p:sp>
+              <p:nvSpPr>
+                <p:cNvPr id="28" name="TextBox 27"/>
+                <p:cNvSpPr txBox="1"/>
+                <p:nvPr/>
+              </p:nvSpPr>
+              <p:spPr>
+                <a:xfrm rot="16200000">
+                  <a:off x="940262" y="2605572"/>
+                  <a:ext cx="399789" cy="369332"/>
+                </a:xfrm>
+                <a:prstGeom prst="rect">
+                  <a:avLst/>
+                </a:prstGeom>
+                <a:noFill/>
+              </p:spPr>
+              <p:txBody>
+                <a:bodyPr wrap="none" rtlCol="0">
+                  <a:spAutoFit/>
+                </a:bodyPr>
+                <a:lstStyle/>
+                <a:p>
+                  <a14:m>
+                    <m:oMathPara xmlns:m="http://schemas.openxmlformats.org/officeDocument/2006/math">
+                      <m:oMathParaPr>
+                        <m:jc m:val="centerGroup"/>
+                      </m:oMathParaPr>
+                      <m:oMath xmlns:m="http://schemas.openxmlformats.org/officeDocument/2006/math">
+                        <m:r>
+                          <a:rPr lang="en-US" altLang="ko-KR" b="0" i="1" smtClean="0">
+                            <a:latin typeface="Cambria Math"/>
+                          </a:rPr>
+                          <m:t>𝑛</m:t>
+                        </m:r>
+                      </m:oMath>
+                    </m:oMathPara>
+                  </a14:m>
+                  <a:endParaRPr lang="ko-KR" altLang="en-US" dirty="0"/>
+                </a:p>
+              </p:txBody>
+            </p:sp>
+          </mc:Choice>
+          <mc:Fallback>
+            <p:sp>
+              <p:nvSpPr>
+                <p:cNvPr id="28" name="TextBox 27"/>
+                <p:cNvSpPr txBox="1">
+                  <a:spLocks noRot="1" noChangeAspect="1" noMove="1" noResize="1" noEditPoints="1" noAdjustHandles="1" noChangeArrowheads="1" noChangeShapeType="1" noTextEdit="1"/>
+                </p:cNvSpPr>
+                <p:nvPr/>
+              </p:nvSpPr>
+              <p:spPr>
+                <a:xfrm rot="16200000">
+                  <a:off x="940262" y="2605572"/>
+                  <a:ext cx="399789" cy="369332"/>
+                </a:xfrm>
+                <a:prstGeom prst="rect">
+                  <a:avLst/>
+                </a:prstGeom>
+                <a:blipFill rotWithShape="1">
+                  <a:blip r:embed="rId7"/>
+                  <a:stretch>
+                    <a:fillRect/>
+                  </a:stretch>
+                </a:blipFill>
+              </p:spPr>
+              <p:txBody>
+                <a:bodyPr/>
+                <a:lstStyle/>
+                <a:p>
+                  <a:r>
+                    <a:rPr lang="ko-KR" altLang="en-US">
+                      <a:noFill/>
+                    </a:rPr>
+                    <a:t> </a:t>
+                  </a:r>
+                </a:p>
+              </p:txBody>
+            </p:sp>
+          </mc:Fallback>
+        </mc:AlternateContent>
+      </p:grpSp>
+      <mc:AlternateContent xmlns:mc="http://schemas.openxmlformats.org/markup-compatibility/2006">
+        <mc:Choice xmlns:a14="http://schemas.microsoft.com/office/drawing/2010/main" Requires="a14">
+          <p:sp>
+            <p:nvSpPr>
+              <p:cNvPr id="29" name="TextBox 28"/>
+              <p:cNvSpPr txBox="1"/>
+              <p:nvPr/>
+            </p:nvSpPr>
+            <p:spPr>
+              <a:xfrm>
+                <a:off x="6373249" y="2420889"/>
+                <a:ext cx="464358" cy="369332"/>
+              </a:xfrm>
+              <a:prstGeom prst="rect">
+                <a:avLst/>
+              </a:prstGeom>
+              <a:noFill/>
+            </p:spPr>
+            <p:txBody>
+              <a:bodyPr wrap="none" rtlCol="0">
+                <a:spAutoFit/>
+              </a:bodyPr>
+              <a:lstStyle/>
+              <a:p>
+                <a14:m>
+                  <m:oMathPara xmlns:m="http://schemas.openxmlformats.org/officeDocument/2006/math">
+                    <m:oMathParaPr>
+                      <m:jc m:val="centerGroup"/>
+                    </m:oMathParaPr>
+                    <m:oMath xmlns:m="http://schemas.openxmlformats.org/officeDocument/2006/math">
+                      <m:r>
+                        <a:rPr lang="en-US" altLang="ko-KR" b="0" i="1" smtClean="0">
+                          <a:latin typeface="Cambria Math"/>
+                        </a:rPr>
+                        <m:t>𝑚</m:t>
+                      </m:r>
+                    </m:oMath>
+                  </m:oMathPara>
+                </a14:m>
+                <a:endParaRPr lang="ko-KR" altLang="en-US" dirty="0"/>
+              </a:p>
+            </p:txBody>
+          </p:sp>
+        </mc:Choice>
+        <mc:Fallback>
+          <p:sp>
+            <p:nvSpPr>
+              <p:cNvPr id="29" name="TextBox 28"/>
+              <p:cNvSpPr txBox="1">
+                <a:spLocks noRot="1" noChangeAspect="1" noMove="1" noResize="1" noEditPoints="1" noAdjustHandles="1" noChangeArrowheads="1" noChangeShapeType="1" noTextEdit="1"/>
+              </p:cNvSpPr>
+              <p:nvPr/>
+            </p:nvSpPr>
+            <p:spPr>
+              <a:xfrm>
+                <a:off x="6373249" y="2420889"/>
+                <a:ext cx="464358" cy="369332"/>
+              </a:xfrm>
+              <a:prstGeom prst="rect">
+                <a:avLst/>
+              </a:prstGeom>
+              <a:blipFill rotWithShape="1">
+                <a:blip r:embed="rId8"/>
+                <a:stretch>
+                  <a:fillRect/>
+                </a:stretch>
+              </a:blipFill>
+            </p:spPr>
+            <p:txBody>
+              <a:bodyPr/>
+              <a:lstStyle/>
+              <a:p>
+                <a:r>
+                  <a:rPr lang="ko-KR" altLang="en-US">
+                    <a:noFill/>
+                  </a:rPr>
+                  <a:t> </a:t>
+                </a:r>
+              </a:p>
+            </p:txBody>
+          </p:sp>
+        </mc:Fallback>
+      </mc:AlternateContent>
+      <mc:AlternateContent xmlns:mc="http://schemas.openxmlformats.org/markup-compatibility/2006">
+        <mc:Choice xmlns:a14="http://schemas.microsoft.com/office/drawing/2010/main" Requires="a14">
+          <p:sp>
+            <p:nvSpPr>
+              <p:cNvPr id="30" name="TextBox 29"/>
+              <p:cNvSpPr txBox="1"/>
+              <p:nvPr/>
+            </p:nvSpPr>
+            <p:spPr>
+              <a:xfrm>
+                <a:off x="5796136" y="2420889"/>
+                <a:ext cx="439544" cy="369332"/>
+              </a:xfrm>
+              <a:prstGeom prst="rect">
+                <a:avLst/>
+              </a:prstGeom>
+              <a:noFill/>
+            </p:spPr>
+            <p:txBody>
+              <a:bodyPr wrap="none" rtlCol="0">
+                <a:spAutoFit/>
+              </a:bodyPr>
+              <a:lstStyle/>
+              <a:p>
+                <a14:m>
+                  <m:oMathPara xmlns:m="http://schemas.openxmlformats.org/officeDocument/2006/math">
+                    <m:oMathParaPr>
+                      <m:jc m:val="centerGroup"/>
+                    </m:oMathParaPr>
+                    <m:oMath xmlns:m="http://schemas.openxmlformats.org/officeDocument/2006/math">
+                      <m:r>
+                        <a:rPr lang="en-US" altLang="ko-KR" b="0" i="1" smtClean="0">
+                          <a:latin typeface="Cambria Math"/>
+                        </a:rPr>
+                        <m:t>=</m:t>
+                      </m:r>
+                    </m:oMath>
+                  </m:oMathPara>
+                </a14:m>
+                <a:endParaRPr lang="ko-KR" altLang="en-US" dirty="0"/>
+              </a:p>
+            </p:txBody>
+          </p:sp>
+        </mc:Choice>
+        <mc:Fallback>
+          <p:sp>
+            <p:nvSpPr>
+              <p:cNvPr id="30" name="TextBox 29"/>
+              <p:cNvSpPr txBox="1">
+                <a:spLocks noRot="1" noChangeAspect="1" noMove="1" noResize="1" noEditPoints="1" noAdjustHandles="1" noChangeArrowheads="1" noChangeShapeType="1" noTextEdit="1"/>
+              </p:cNvSpPr>
+              <p:nvPr/>
+            </p:nvSpPr>
+            <p:spPr>
+              <a:xfrm>
+                <a:off x="5796136" y="2420889"/>
+                <a:ext cx="439544" cy="369332"/>
+              </a:xfrm>
+              <a:prstGeom prst="rect">
+                <a:avLst/>
+              </a:prstGeom>
+              <a:blipFill rotWithShape="1">
+                <a:blip r:embed="rId9"/>
+                <a:stretch>
+                  <a:fillRect/>
+                </a:stretch>
+              </a:blipFill>
+            </p:spPr>
+            <p:txBody>
+              <a:bodyPr/>
+              <a:lstStyle/>
+              <a:p>
+                <a:r>
+                  <a:rPr lang="ko-KR" altLang="en-US">
+                    <a:noFill/>
+                  </a:rPr>
+                  <a:t> </a:t>
+                </a:r>
+              </a:p>
+            </p:txBody>
+          </p:sp>
+        </mc:Fallback>
+      </mc:AlternateContent>
+      <p:sp>
+        <p:nvSpPr>
+          <p:cNvPr id="31" name="직사각형 30"/>
+          <p:cNvSpPr/>
+          <p:nvPr/>
+        </p:nvSpPr>
+        <p:spPr>
+          <a:xfrm>
+            <a:off x="6804247" y="2259119"/>
+            <a:ext cx="1568491" cy="288032"/>
+          </a:xfrm>
+          <a:prstGeom prst="rect">
+            <a:avLst/>
+          </a:prstGeom>
+          <a:noFill/>
+          <a:ln>
+            <a:solidFill>
+              <a:schemeClr val="tx1"/>
+            </a:solidFill>
+            <a:prstDash val="sysDash"/>
+          </a:ln>
+        </p:spPr>
+        <p:style>
+          <a:lnRef idx="2">
+            <a:schemeClr val="accent1">
+              <a:shade val="50000"/>
+            </a:schemeClr>
+          </a:lnRef>
+          <a:fillRef idx="1">
+            <a:schemeClr val="accent1"/>
+          </a:fillRef>
+          <a:effectRef idx="0">
+            <a:schemeClr val="accent1"/>
+          </a:effectRef>
+          <a:fontRef idx="minor">
+            <a:schemeClr val="lt1"/>
+          </a:fontRef>
+        </p:style>
+        <p:txBody>
+          <a:bodyPr rtlCol="0" anchor="ctr"/>
+          <a:lstStyle/>
+          <a:p>
+            <a:pPr algn="ctr"/>
+            <a:endParaRPr lang="ko-KR" altLang="en-US"/>
+          </a:p>
+        </p:txBody>
+      </p:sp>
+      <p:sp>
+        <p:nvSpPr>
+          <p:cNvPr id="32" name="직사각형 31"/>
+          <p:cNvSpPr/>
+          <p:nvPr/>
+        </p:nvSpPr>
+        <p:spPr>
+          <a:xfrm rot="5400000">
+            <a:off x="6667149" y="2485056"/>
+            <a:ext cx="1568491" cy="288032"/>
+          </a:xfrm>
+          <a:prstGeom prst="rect">
+            <a:avLst/>
+          </a:prstGeom>
+          <a:noFill/>
+          <a:ln>
+            <a:solidFill>
+              <a:schemeClr val="tx1"/>
+            </a:solidFill>
+            <a:prstDash val="sysDash"/>
+          </a:ln>
+        </p:spPr>
+        <p:style>
+          <a:lnRef idx="2">
+            <a:schemeClr val="accent1">
+              <a:shade val="50000"/>
+            </a:schemeClr>
+          </a:lnRef>
+          <a:fillRef idx="1">
+            <a:schemeClr val="accent1"/>
+          </a:fillRef>
+          <a:effectRef idx="0">
+            <a:schemeClr val="accent1"/>
+          </a:effectRef>
+          <a:fontRef idx="minor">
+            <a:schemeClr val="lt1"/>
+          </a:fontRef>
+        </p:style>
+        <p:txBody>
+          <a:bodyPr rtlCol="0" anchor="ctr"/>
+          <a:lstStyle/>
+          <a:p>
+            <a:pPr algn="ctr"/>
+            <a:endParaRPr lang="ko-KR" altLang="en-US"/>
+          </a:p>
+        </p:txBody>
+      </p:sp>
+      <p:sp>
+        <p:nvSpPr>
+          <p:cNvPr id="22" name="직사각형 21"/>
+          <p:cNvSpPr/>
+          <p:nvPr/>
+        </p:nvSpPr>
+        <p:spPr>
+          <a:xfrm rot="5400000">
+            <a:off x="7308304" y="2256623"/>
+            <a:ext cx="288031" cy="288032"/>
+          </a:xfrm>
+          <a:prstGeom prst="rect">
+            <a:avLst/>
+          </a:prstGeom>
+          <a:solidFill>
+            <a:schemeClr val="accent3">
+              <a:lumMod val="60000"/>
+              <a:lumOff val="40000"/>
             </a:schemeClr>
           </a:solidFill>
           <a:ln>
